--- a/DynamicFilters.pptx
+++ b/DynamicFilters.pptx
@@ -266,7 +266,7 @@
           <a:p>
             <a:fld id="{61F4F17F-797E-F743-99C7-34FA65335D3C}" type="datetimeFigureOut">
               <a:rPr lang="en-US" smtClean="0"/>
-              <a:t>2/1/2019</a:t>
+              <a:t>2/7/2019</a:t>
             </a:fld>
             <a:endParaRPr lang="en-US"/>
           </a:p>
@@ -432,7 +432,7 @@
           <a:p>
             <a:fld id="{A76353FC-0869-45D3-95AF-CC29198471C2}" type="datetimeFigureOut">
               <a:rPr lang="en-US" smtClean="0"/>
-              <a:t>2/1/2019</a:t>
+              <a:t>2/7/2019</a:t>
             </a:fld>
             <a:endParaRPr lang="en-US"/>
           </a:p>
@@ -1512,7 +1512,7 @@
             </a:pPr>
             <a:r>
               <a:rPr lang="en-US" dirty="0"/>
-              <a:t>2. Show tables ERD</a:t>
+              <a:t>2. Show tables ERD and contents of meta-data</a:t>
             </a:r>
           </a:p>
         </p:txBody>
@@ -5211,6 +5211,18 @@
   <p:clrMapOvr>
     <a:masterClrMapping/>
   </p:clrMapOvr>
+  <mc:AlternateContent xmlns:mc="http://schemas.openxmlformats.org/markup-compatibility/2006">
+    <mc:Choice xmlns:p14="http://schemas.microsoft.com/office/powerpoint/2010/main" Requires="p14">
+      <p:transition spd="med" p14:dur="700">
+        <p:fade/>
+      </p:transition>
+    </mc:Choice>
+    <mc:Fallback>
+      <p:transition spd="med">
+        <p:fade/>
+      </p:transition>
+    </mc:Fallback>
+  </mc:AlternateContent>
 </p:sld>
 </file>
 
@@ -5482,6 +5494,18 @@
   <p:clrMapOvr>
     <a:masterClrMapping/>
   </p:clrMapOvr>
+  <mc:AlternateContent xmlns:mc="http://schemas.openxmlformats.org/markup-compatibility/2006">
+    <mc:Choice xmlns:p14="http://schemas.microsoft.com/office/powerpoint/2010/main" Requires="p14">
+      <p:transition spd="med" p14:dur="700">
+        <p:fade/>
+      </p:transition>
+    </mc:Choice>
+    <mc:Fallback>
+      <p:transition spd="med">
+        <p:fade/>
+      </p:transition>
+    </mc:Fallback>
+  </mc:AlternateContent>
   <p:timing>
     <p:tnLst>
       <p:par>
@@ -6161,6 +6185,18 @@
   <p:clrMapOvr>
     <a:masterClrMapping/>
   </p:clrMapOvr>
+  <mc:AlternateContent xmlns:mc="http://schemas.openxmlformats.org/markup-compatibility/2006">
+    <mc:Choice xmlns:p14="http://schemas.microsoft.com/office/powerpoint/2010/main" Requires="p14">
+      <p:transition spd="med" p14:dur="700">
+        <p:fade/>
+      </p:transition>
+    </mc:Choice>
+    <mc:Fallback>
+      <p:transition spd="med">
+        <p:fade/>
+      </p:transition>
+    </mc:Fallback>
+  </mc:AlternateContent>
 </p:sld>
 </file>
 
@@ -7400,6 +7436,18 @@
   <p:clrMapOvr>
     <a:masterClrMapping/>
   </p:clrMapOvr>
+  <mc:AlternateContent xmlns:mc="http://schemas.openxmlformats.org/markup-compatibility/2006">
+    <mc:Choice xmlns:p14="http://schemas.microsoft.com/office/powerpoint/2010/main" Requires="p14">
+      <p:transition spd="med" p14:dur="700">
+        <p:fade/>
+      </p:transition>
+    </mc:Choice>
+    <mc:Fallback>
+      <p:transition spd="med">
+        <p:fade/>
+      </p:transition>
+    </mc:Fallback>
+  </mc:AlternateContent>
 </p:sld>
 </file>
 
@@ -7575,6 +7623,18 @@
   <p:clrMapOvr>
     <a:masterClrMapping/>
   </p:clrMapOvr>
+  <mc:AlternateContent xmlns:mc="http://schemas.openxmlformats.org/markup-compatibility/2006">
+    <mc:Choice xmlns:p14="http://schemas.microsoft.com/office/powerpoint/2010/main" Requires="p14">
+      <p:transition spd="med" p14:dur="700">
+        <p:fade/>
+      </p:transition>
+    </mc:Choice>
+    <mc:Fallback>
+      <p:transition spd="med">
+        <p:fade/>
+      </p:transition>
+    </mc:Fallback>
+  </mc:AlternateContent>
 </p:sld>
 </file>
 
@@ -7933,6 +7993,18 @@
   <p:clrMapOvr>
     <a:masterClrMapping/>
   </p:clrMapOvr>
+  <mc:AlternateContent xmlns:mc="http://schemas.openxmlformats.org/markup-compatibility/2006">
+    <mc:Choice xmlns:p14="http://schemas.microsoft.com/office/powerpoint/2010/main" Requires="p14">
+      <p:transition spd="med" p14:dur="700">
+        <p:fade/>
+      </p:transition>
+    </mc:Choice>
+    <mc:Fallback>
+      <p:transition spd="med">
+        <p:fade/>
+      </p:transition>
+    </mc:Fallback>
+  </mc:AlternateContent>
   <p:timing>
     <p:tnLst>
       <p:par>
@@ -9636,13 +9708,13 @@
   <p:clrMapOvr>
     <a:masterClrMapping/>
   </p:clrMapOvr>
-  <mc:AlternateContent xmlns:mc="http://schemas.openxmlformats.org/markup-compatibility/2006">
-    <mc:Choice xmlns:p14="http://schemas.microsoft.com/office/powerpoint/2010/main" Requires="p14">
+  <mc:AlternateContent xmlns:mc="http://schemas.openxmlformats.org/markup-compatibility/2006" xmlns:p14="http://schemas.microsoft.com/office/powerpoint/2010/main">
+    <mc:Choice Requires="p14">
       <p:transition spd="med" p14:dur="700">
         <p:fade/>
       </p:transition>
     </mc:Choice>
-    <mc:Fallback>
+    <mc:Fallback xmlns="">
       <p:transition spd="med">
         <p:fade/>
       </p:transition>
@@ -11353,6 +11425,36 @@
           </a:prstGeom>
         </p:spPr>
       </p:pic>
+      <p:pic>
+        <p:nvPicPr>
+          <p:cNvPr id="34" name="Picture 33">
+            <a:extLst>
+              <a:ext uri="{FF2B5EF4-FFF2-40B4-BE49-F238E27FC236}">
+                <a16:creationId xmlns:a16="http://schemas.microsoft.com/office/drawing/2014/main" id="{8610C54A-FF30-45E0-94D5-B6B3B9072408}"/>
+              </a:ext>
+            </a:extLst>
+          </p:cNvPr>
+          <p:cNvPicPr>
+            <a:picLocks noChangeAspect="1"/>
+          </p:cNvPicPr>
+          <p:nvPr/>
+        </p:nvPicPr>
+        <p:blipFill>
+          <a:blip r:embed="rId17"/>
+          <a:stretch>
+            <a:fillRect/>
+          </a:stretch>
+        </p:blipFill>
+        <p:spPr>
+          <a:xfrm>
+            <a:off x="272898" y="1057493"/>
+            <a:ext cx="3238294" cy="1585351"/>
+          </a:xfrm>
+          <a:prstGeom prst="rect">
+            <a:avLst/>
+          </a:prstGeom>
+        </p:spPr>
+      </p:pic>
     </p:spTree>
     <p:extLst>
       <p:ext uri="{BB962C8B-B14F-4D97-AF65-F5344CB8AC3E}">
@@ -11363,13 +11465,13 @@
   <p:clrMapOvr>
     <a:masterClrMapping/>
   </p:clrMapOvr>
-  <mc:AlternateContent xmlns:mc="http://schemas.openxmlformats.org/markup-compatibility/2006">
-    <mc:Choice xmlns:p14="http://schemas.microsoft.com/office/powerpoint/2010/main" Requires="p14">
+  <mc:AlternateContent xmlns:mc="http://schemas.openxmlformats.org/markup-compatibility/2006" xmlns:p14="http://schemas.microsoft.com/office/powerpoint/2010/main">
+    <mc:Choice Requires="p14">
       <p:transition spd="med" p14:dur="700">
         <p:fade/>
       </p:transition>
     </mc:Choice>
-    <mc:Fallback>
+    <mc:Fallback xmlns="">
       <p:transition spd="med">
         <p:fade/>
       </p:transition>
@@ -11658,30 +11760,111 @@
                             </p:childTnLst>
                           </p:cTn>
                         </p:par>
-                      </p:childTnLst>
-                    </p:cTn>
-                  </p:par>
-                  <p:par>
-                    <p:cTn id="15" fill="hold">
-                      <p:stCondLst>
-                        <p:cond delay="indefinite"/>
-                      </p:stCondLst>
-                      <p:childTnLst>
                         <p:par>
-                          <p:cTn id="16" fill="hold">
+                          <p:cTn id="15" fill="hold">
                             <p:stCondLst>
-                              <p:cond delay="0"/>
+                              <p:cond delay="2000"/>
                             </p:stCondLst>
                             <p:childTnLst>
                               <p:par>
-                                <p:cTn id="17" presetID="10" presetClass="entr" presetSubtype="0" fill="hold" nodeType="clickEffect">
+                                <p:cTn id="16" presetID="53" presetClass="entr" presetSubtype="16" fill="hold" nodeType="afterEffect">
                                   <p:stCondLst>
                                     <p:cond delay="0"/>
                                   </p:stCondLst>
                                   <p:childTnLst>
                                     <p:set>
                                       <p:cBhvr>
-                                        <p:cTn id="18" dur="1" fill="hold">
+                                        <p:cTn id="17" dur="1" fill="hold">
+                                          <p:stCondLst>
+                                            <p:cond delay="0"/>
+                                          </p:stCondLst>
+                                        </p:cTn>
+                                        <p:tgtEl>
+                                          <p:spTgt spid="34"/>
+                                        </p:tgtEl>
+                                        <p:attrNameLst>
+                                          <p:attrName>style.visibility</p:attrName>
+                                        </p:attrNameLst>
+                                      </p:cBhvr>
+                                      <p:to>
+                                        <p:strVal val="visible"/>
+                                      </p:to>
+                                    </p:set>
+                                    <p:anim calcmode="lin" valueType="num">
+                                      <p:cBhvr>
+                                        <p:cTn id="18" dur="500" fill="hold"/>
+                                        <p:tgtEl>
+                                          <p:spTgt spid="34"/>
+                                        </p:tgtEl>
+                                        <p:attrNameLst>
+                                          <p:attrName>ppt_w</p:attrName>
+                                        </p:attrNameLst>
+                                      </p:cBhvr>
+                                      <p:tavLst>
+                                        <p:tav tm="0">
+                                          <p:val>
+                                            <p:fltVal val="0"/>
+                                          </p:val>
+                                        </p:tav>
+                                        <p:tav tm="100000">
+                                          <p:val>
+                                            <p:strVal val="#ppt_w"/>
+                                          </p:val>
+                                        </p:tav>
+                                      </p:tavLst>
+                                    </p:anim>
+                                    <p:anim calcmode="lin" valueType="num">
+                                      <p:cBhvr>
+                                        <p:cTn id="19" dur="500" fill="hold"/>
+                                        <p:tgtEl>
+                                          <p:spTgt spid="34"/>
+                                        </p:tgtEl>
+                                        <p:attrNameLst>
+                                          <p:attrName>ppt_h</p:attrName>
+                                        </p:attrNameLst>
+                                      </p:cBhvr>
+                                      <p:tavLst>
+                                        <p:tav tm="0">
+                                          <p:val>
+                                            <p:fltVal val="0"/>
+                                          </p:val>
+                                        </p:tav>
+                                        <p:tav tm="100000">
+                                          <p:val>
+                                            <p:strVal val="#ppt_h"/>
+                                          </p:val>
+                                        </p:tav>
+                                      </p:tavLst>
+                                    </p:anim>
+                                    <p:animEffect transition="in" filter="fade">
+                                      <p:cBhvr>
+                                        <p:cTn id="20" dur="500"/>
+                                        <p:tgtEl>
+                                          <p:spTgt spid="34"/>
+                                        </p:tgtEl>
+                                      </p:cBhvr>
+                                    </p:animEffect>
+                                  </p:childTnLst>
+                                </p:cTn>
+                              </p:par>
+                            </p:childTnLst>
+                          </p:cTn>
+                        </p:par>
+                        <p:par>
+                          <p:cTn id="21" fill="hold">
+                            <p:stCondLst>
+                              <p:cond delay="2500"/>
+                            </p:stCondLst>
+                            <p:childTnLst>
+                              <p:par>
+                                <p:cTn id="22" presetID="10" presetClass="entr" presetSubtype="0" fill="hold" nodeType="afterEffect">
+                                  <p:stCondLst>
+                                    <p:cond delay="0"/>
+                                  </p:stCondLst>
+                                  <p:childTnLst>
+                                    <p:set>
+                                      <p:cBhvr>
+                                        <p:cTn id="23" dur="1" fill="hold">
                                           <p:stCondLst>
                                             <p:cond delay="0"/>
                                           </p:stCondLst>
@@ -11699,7 +11882,7 @@
                                     </p:set>
                                     <p:animEffect transition="in" filter="fade">
                                       <p:cBhvr>
-                                        <p:cTn id="19" dur="500"/>
+                                        <p:cTn id="24" dur="500"/>
                                         <p:tgtEl>
                                           <p:spTgt spid="36"/>
                                         </p:tgtEl>
@@ -11715,26 +11898,26 @@
                     </p:cTn>
                   </p:par>
                   <p:par>
-                    <p:cTn id="20" fill="hold">
+                    <p:cTn id="25" fill="hold">
                       <p:stCondLst>
                         <p:cond delay="indefinite"/>
                       </p:stCondLst>
                       <p:childTnLst>
                         <p:par>
-                          <p:cTn id="21" fill="hold">
+                          <p:cTn id="26" fill="hold">
                             <p:stCondLst>
                               <p:cond delay="0"/>
                             </p:stCondLst>
                             <p:childTnLst>
                               <p:par>
-                                <p:cTn id="22" presetID="22" presetClass="exit" presetSubtype="8" fill="hold" nodeType="clickEffect">
+                                <p:cTn id="27" presetID="22" presetClass="exit" presetSubtype="8" fill="hold" nodeType="clickEffect">
                                   <p:stCondLst>
                                     <p:cond delay="0"/>
                                   </p:stCondLst>
                                   <p:childTnLst>
                                     <p:animEffect transition="out" filter="wipe(left)">
                                       <p:cBhvr>
-                                        <p:cTn id="23" dur="500"/>
+                                        <p:cTn id="28" dur="500"/>
                                         <p:tgtEl>
                                           <p:spTgt spid="36"/>
                                         </p:tgtEl>
@@ -11742,7 +11925,7 @@
                                     </p:animEffect>
                                     <p:set>
                                       <p:cBhvr>
-                                        <p:cTn id="24" dur="1" fill="hold">
+                                        <p:cTn id="29" dur="1" fill="hold">
                                           <p:stCondLst>
                                             <p:cond delay="499"/>
                                           </p:stCondLst>
@@ -11765,20 +11948,20 @@
                           </p:cTn>
                         </p:par>
                         <p:par>
-                          <p:cTn id="25" fill="hold">
+                          <p:cTn id="30" fill="hold">
                             <p:stCondLst>
                               <p:cond delay="500"/>
                             </p:stCondLst>
                             <p:childTnLst>
                               <p:par>
-                                <p:cTn id="26" presetID="22" presetClass="entr" presetSubtype="8" fill="hold" nodeType="afterEffect">
+                                <p:cTn id="31" presetID="22" presetClass="entr" presetSubtype="8" fill="hold" nodeType="afterEffect">
                                   <p:stCondLst>
                                     <p:cond delay="0"/>
                                   </p:stCondLst>
                                   <p:childTnLst>
                                     <p:set>
                                       <p:cBhvr>
-                                        <p:cTn id="27" dur="1" fill="hold">
+                                        <p:cTn id="32" dur="1" fill="hold">
                                           <p:stCondLst>
                                             <p:cond delay="0"/>
                                           </p:stCondLst>
@@ -11796,7 +11979,7 @@
                                     </p:set>
                                     <p:animEffect transition="in" filter="wipe(left)">
                                       <p:cBhvr>
-                                        <p:cTn id="28" dur="500"/>
+                                        <p:cTn id="33" dur="500"/>
                                         <p:tgtEl>
                                           <p:spTgt spid="29"/>
                                         </p:tgtEl>
@@ -11809,20 +11992,20 @@
                           </p:cTn>
                         </p:par>
                         <p:par>
-                          <p:cTn id="29" fill="hold">
+                          <p:cTn id="34" fill="hold">
                             <p:stCondLst>
                               <p:cond delay="1000"/>
                             </p:stCondLst>
                             <p:childTnLst>
                               <p:par>
-                                <p:cTn id="30" presetID="22" presetClass="entr" presetSubtype="8" fill="hold" nodeType="afterEffect">
+                                <p:cTn id="35" presetID="22" presetClass="entr" presetSubtype="8" fill="hold" nodeType="afterEffect">
                                   <p:stCondLst>
                                     <p:cond delay="0"/>
                                   </p:stCondLst>
                                   <p:childTnLst>
                                     <p:set>
                                       <p:cBhvr>
-                                        <p:cTn id="31" dur="1" fill="hold">
+                                        <p:cTn id="36" dur="1" fill="hold">
                                           <p:stCondLst>
                                             <p:cond delay="0"/>
                                           </p:stCondLst>
@@ -11840,7 +12023,7 @@
                                     </p:set>
                                     <p:animEffect transition="in" filter="wipe(left)">
                                       <p:cBhvr>
-                                        <p:cTn id="32" dur="500"/>
+                                        <p:cTn id="37" dur="500"/>
                                         <p:tgtEl>
                                           <p:spTgt spid="38"/>
                                         </p:tgtEl>
@@ -11853,20 +12036,20 @@
                           </p:cTn>
                         </p:par>
                         <p:par>
-                          <p:cTn id="33" fill="hold">
+                          <p:cTn id="38" fill="hold">
                             <p:stCondLst>
                               <p:cond delay="1500"/>
                             </p:stCondLst>
                             <p:childTnLst>
                               <p:par>
-                                <p:cTn id="34" presetID="22" presetClass="entr" presetSubtype="8" fill="hold" grpId="0" nodeType="afterEffect">
+                                <p:cTn id="39" presetID="22" presetClass="entr" presetSubtype="8" fill="hold" grpId="0" nodeType="afterEffect">
                                   <p:stCondLst>
                                     <p:cond delay="0"/>
                                   </p:stCondLst>
                                   <p:childTnLst>
                                     <p:set>
                                       <p:cBhvr>
-                                        <p:cTn id="35" dur="1" fill="hold">
+                                        <p:cTn id="40" dur="1" fill="hold">
                                           <p:stCondLst>
                                             <p:cond delay="0"/>
                                           </p:stCondLst>
@@ -11884,7 +12067,7 @@
                                     </p:set>
                                     <p:animEffect transition="in" filter="wipe(left)">
                                       <p:cBhvr>
-                                        <p:cTn id="36" dur="1000"/>
+                                        <p:cTn id="41" dur="1000"/>
                                         <p:tgtEl>
                                           <p:spTgt spid="37"/>
                                         </p:tgtEl>
@@ -11900,26 +12083,26 @@
                     </p:cTn>
                   </p:par>
                   <p:par>
-                    <p:cTn id="37" fill="hold">
+                    <p:cTn id="42" fill="hold">
                       <p:stCondLst>
                         <p:cond delay="indefinite"/>
                       </p:stCondLst>
                       <p:childTnLst>
                         <p:par>
-                          <p:cTn id="38" fill="hold">
+                          <p:cTn id="43" fill="hold">
                             <p:stCondLst>
                               <p:cond delay="0"/>
                             </p:stCondLst>
                             <p:childTnLst>
                               <p:par>
-                                <p:cTn id="39" presetID="10" presetClass="exit" presetSubtype="0" fill="hold" nodeType="clickEffect">
+                                <p:cTn id="44" presetID="10" presetClass="exit" presetSubtype="0" fill="hold" nodeType="clickEffect">
                                   <p:stCondLst>
                                     <p:cond delay="0"/>
                                   </p:stCondLst>
                                   <p:childTnLst>
                                     <p:animEffect transition="out" filter="fade">
                                       <p:cBhvr>
-                                        <p:cTn id="40" dur="500"/>
+                                        <p:cTn id="45" dur="500"/>
                                         <p:tgtEl>
                                           <p:spTgt spid="38"/>
                                         </p:tgtEl>
@@ -11927,7 +12110,7 @@
                                     </p:animEffect>
                                     <p:set>
                                       <p:cBhvr>
-                                        <p:cTn id="41" dur="1" fill="hold">
+                                        <p:cTn id="46" dur="1" fill="hold">
                                           <p:stCondLst>
                                             <p:cond delay="499"/>
                                           </p:stCondLst>
@@ -11947,14 +12130,49 @@
                                 </p:cTn>
                               </p:par>
                               <p:par>
-                                <p:cTn id="42" presetID="10" presetClass="exit" presetSubtype="0" fill="hold" grpId="1" nodeType="withEffect">
+                                <p:cTn id="47" presetID="10" presetClass="exit" presetSubtype="0" fill="hold" nodeType="withEffect">
                                   <p:stCondLst>
                                     <p:cond delay="0"/>
                                   </p:stCondLst>
                                   <p:childTnLst>
                                     <p:animEffect transition="out" filter="fade">
                                       <p:cBhvr>
-                                        <p:cTn id="43" dur="500"/>
+                                        <p:cTn id="48" dur="500"/>
+                                        <p:tgtEl>
+                                          <p:spTgt spid="34"/>
+                                        </p:tgtEl>
+                                      </p:cBhvr>
+                                    </p:animEffect>
+                                    <p:set>
+                                      <p:cBhvr>
+                                        <p:cTn id="49" dur="1" fill="hold">
+                                          <p:stCondLst>
+                                            <p:cond delay="499"/>
+                                          </p:stCondLst>
+                                        </p:cTn>
+                                        <p:tgtEl>
+                                          <p:spTgt spid="34"/>
+                                        </p:tgtEl>
+                                        <p:attrNameLst>
+                                          <p:attrName>style.visibility</p:attrName>
+                                        </p:attrNameLst>
+                                      </p:cBhvr>
+                                      <p:to>
+                                        <p:strVal val="hidden"/>
+                                      </p:to>
+                                    </p:set>
+                                  </p:childTnLst>
+                                </p:cTn>
+                              </p:par>
+                              <p:par>
+                                <p:cTn id="50" presetID="10" presetClass="exit" presetSubtype="0" fill="hold" grpId="1" nodeType="withEffect">
+                                  <p:stCondLst>
+                                    <p:cond delay="0"/>
+                                  </p:stCondLst>
+                                  <p:childTnLst>
+                                    <p:animEffect transition="out" filter="fade">
+                                      <p:cBhvr>
+                                        <p:cTn id="51" dur="500"/>
                                         <p:tgtEl>
                                           <p:spTgt spid="37"/>
                                         </p:tgtEl>
@@ -11962,7 +12180,7 @@
                                     </p:animEffect>
                                     <p:set>
                                       <p:cBhvr>
-                                        <p:cTn id="44" dur="1" fill="hold">
+                                        <p:cTn id="52" dur="1" fill="hold">
                                           <p:stCondLst>
                                             <p:cond delay="499"/>
                                           </p:stCondLst>
@@ -11984,30 +12202,21 @@
                             </p:childTnLst>
                           </p:cTn>
                         </p:par>
-                      </p:childTnLst>
-                    </p:cTn>
-                  </p:par>
-                  <p:par>
-                    <p:cTn id="45" fill="hold">
-                      <p:stCondLst>
-                        <p:cond delay="indefinite"/>
-                      </p:stCondLst>
-                      <p:childTnLst>
                         <p:par>
-                          <p:cTn id="46" fill="hold">
+                          <p:cTn id="53" fill="hold">
                             <p:stCondLst>
-                              <p:cond delay="0"/>
+                              <p:cond delay="500"/>
                             </p:stCondLst>
                             <p:childTnLst>
                               <p:par>
-                                <p:cTn id="47" presetID="42" presetClass="path" presetSubtype="0" accel="50000" decel="50000" fill="hold" nodeType="clickEffect">
+                                <p:cTn id="54" presetID="42" presetClass="path" presetSubtype="0" accel="50000" decel="50000" fill="hold" nodeType="afterEffect">
                                   <p:stCondLst>
                                     <p:cond delay="0"/>
                                   </p:stCondLst>
                                   <p:childTnLst>
                                     <p:animMotion origin="layout" path="M -5.55556E-7 -1.35802E-6 L 0.55156 -0.00154 " pathEditMode="relative" rAng="0" ptsTypes="AA">
                                       <p:cBhvr>
-                                        <p:cTn id="48" dur="2000" fill="hold"/>
+                                        <p:cTn id="55" dur="2000" fill="hold"/>
                                         <p:tgtEl>
                                           <p:spTgt spid="29"/>
                                         </p:tgtEl>
@@ -12024,30 +12233,21 @@
                             </p:childTnLst>
                           </p:cTn>
                         </p:par>
-                      </p:childTnLst>
-                    </p:cTn>
-                  </p:par>
-                  <p:par>
-                    <p:cTn id="49" fill="hold">
-                      <p:stCondLst>
-                        <p:cond delay="indefinite"/>
-                      </p:stCondLst>
-                      <p:childTnLst>
                         <p:par>
-                          <p:cTn id="50" fill="hold">
+                          <p:cTn id="56" fill="hold">
                             <p:stCondLst>
-                              <p:cond delay="0"/>
+                              <p:cond delay="2500"/>
                             </p:stCondLst>
                             <p:childTnLst>
                               <p:par>
-                                <p:cTn id="51" presetID="22" presetClass="exit" presetSubtype="4" fill="hold" nodeType="clickEffect">
+                                <p:cTn id="57" presetID="22" presetClass="exit" presetSubtype="4" fill="hold" nodeType="afterEffect">
                                   <p:stCondLst>
                                     <p:cond delay="0"/>
                                   </p:stCondLst>
                                   <p:childTnLst>
                                     <p:animEffect transition="out" filter="wipe(down)">
                                       <p:cBhvr>
-                                        <p:cTn id="52" dur="500"/>
+                                        <p:cTn id="58" dur="500"/>
                                         <p:tgtEl>
                                           <p:spTgt spid="22"/>
                                         </p:tgtEl>
@@ -12055,7 +12255,7 @@
                                     </p:animEffect>
                                     <p:set>
                                       <p:cBhvr>
-                                        <p:cTn id="53" dur="1" fill="hold">
+                                        <p:cTn id="59" dur="1" fill="hold">
                                           <p:stCondLst>
                                             <p:cond delay="499"/>
                                           </p:stCondLst>
@@ -12075,14 +12275,14 @@
                                 </p:cTn>
                               </p:par>
                               <p:par>
-                                <p:cTn id="54" presetID="22" presetClass="exit" presetSubtype="4" fill="hold" nodeType="withEffect">
+                                <p:cTn id="60" presetID="22" presetClass="exit" presetSubtype="4" fill="hold" nodeType="withEffect">
                                   <p:stCondLst>
                                     <p:cond delay="0"/>
                                   </p:stCondLst>
                                   <p:childTnLst>
                                     <p:animEffect transition="out" filter="wipe(down)">
                                       <p:cBhvr>
-                                        <p:cTn id="55" dur="500"/>
+                                        <p:cTn id="61" dur="500"/>
                                         <p:tgtEl>
                                           <p:spTgt spid="50"/>
                                         </p:tgtEl>
@@ -12090,7 +12290,7 @@
                                     </p:animEffect>
                                     <p:set>
                                       <p:cBhvr>
-                                        <p:cTn id="56" dur="1" fill="hold">
+                                        <p:cTn id="62" dur="1" fill="hold">
                                           <p:stCondLst>
                                             <p:cond delay="499"/>
                                           </p:stCondLst>
@@ -13664,7 +13864,24 @@
             <a:avLst/>
           </a:prstGeom>
           <a:noFill/>
+          <a:ln>
+            <a:noFill/>
+          </a:ln>
         </p:spPr>
+        <p:style>
+          <a:lnRef idx="0">
+            <a:scrgbClr r="0" g="0" b="0"/>
+          </a:lnRef>
+          <a:fillRef idx="0">
+            <a:scrgbClr r="0" g="0" b="0"/>
+          </a:fillRef>
+          <a:effectRef idx="0">
+            <a:scrgbClr r="0" g="0" b="0"/>
+          </a:effectRef>
+          <a:fontRef idx="minor">
+            <a:schemeClr val="accent2"/>
+          </a:fontRef>
+        </p:style>
         <p:txBody>
           <a:bodyPr wrap="square" rtlCol="0">
             <a:spAutoFit/>
@@ -13766,13 +13983,13 @@
   <p:clrMapOvr>
     <a:masterClrMapping/>
   </p:clrMapOvr>
-  <mc:AlternateContent xmlns:mc="http://schemas.openxmlformats.org/markup-compatibility/2006">
-    <mc:Choice xmlns:p14="http://schemas.microsoft.com/office/powerpoint/2010/main" Requires="p14">
+  <mc:AlternateContent xmlns:mc="http://schemas.openxmlformats.org/markup-compatibility/2006" xmlns:p14="http://schemas.microsoft.com/office/powerpoint/2010/main">
+    <mc:Choice Requires="p14">
       <p:transition spd="med" p14:dur="700">
         <p:fade/>
       </p:transition>
     </mc:Choice>
-    <mc:Fallback>
+    <mc:Fallback xmlns="">
       <p:transition spd="med">
         <p:fade/>
       </p:transition>
@@ -13790,6 +14007,9 @@
                     <p:cTn id="3" fill="hold">
                       <p:stCondLst>
                         <p:cond delay="indefinite"/>
+                        <p:cond evt="onBegin" delay="0">
+                          <p:tn val="2"/>
+                        </p:cond>
                       </p:stCondLst>
                       <p:childTnLst>
                         <p:par>
@@ -13799,7 +14019,7 @@
                             </p:stCondLst>
                             <p:childTnLst>
                               <p:par>
-                                <p:cTn id="5" presetID="10" presetClass="entr" presetSubtype="0" fill="hold" grpId="0" nodeType="clickEffect">
+                                <p:cTn id="5" presetID="10" presetClass="entr" presetSubtype="0" fill="hold" grpId="0" nodeType="afterEffect">
                                   <p:stCondLst>
                                     <p:cond delay="0"/>
                                   </p:stCondLst>
@@ -14243,30 +14463,65 @@
                             </p:childTnLst>
                           </p:cTn>
                         </p:par>
-                      </p:childTnLst>
-                    </p:cTn>
-                  </p:par>
-                  <p:par>
-                    <p:cTn id="32" fill="hold">
-                      <p:stCondLst>
-                        <p:cond delay="indefinite"/>
-                      </p:stCondLst>
-                      <p:childTnLst>
                         <p:par>
-                          <p:cTn id="33" fill="hold">
+                          <p:cTn id="32" fill="hold">
                             <p:stCondLst>
-                              <p:cond delay="0"/>
+                              <p:cond delay="500"/>
                             </p:stCondLst>
                             <p:childTnLst>
                               <p:par>
-                                <p:cTn id="34" presetID="22" presetClass="entr" presetSubtype="1" fill="hold" nodeType="clickEffect">
+                                <p:cTn id="33" presetID="10" presetClass="exit" presetSubtype="0" fill="hold" nodeType="afterEffect">
+                                  <p:stCondLst>
+                                    <p:cond delay="0"/>
+                                  </p:stCondLst>
+                                  <p:childTnLst>
+                                    <p:animEffect transition="out" filter="fade">
+                                      <p:cBhvr>
+                                        <p:cTn id="34" dur="500"/>
+                                        <p:tgtEl>
+                                          <p:spTgt spid="54"/>
+                                        </p:tgtEl>
+                                      </p:cBhvr>
+                                    </p:animEffect>
+                                    <p:set>
+                                      <p:cBhvr>
+                                        <p:cTn id="35" dur="1" fill="hold">
+                                          <p:stCondLst>
+                                            <p:cond delay="499"/>
+                                          </p:stCondLst>
+                                        </p:cTn>
+                                        <p:tgtEl>
+                                          <p:spTgt spid="54"/>
+                                        </p:tgtEl>
+                                        <p:attrNameLst>
+                                          <p:attrName>style.visibility</p:attrName>
+                                        </p:attrNameLst>
+                                      </p:cBhvr>
+                                      <p:to>
+                                        <p:strVal val="hidden"/>
+                                      </p:to>
+                                    </p:set>
+                                  </p:childTnLst>
+                                </p:cTn>
+                              </p:par>
+                            </p:childTnLst>
+                          </p:cTn>
+                        </p:par>
+                        <p:par>
+                          <p:cTn id="36" fill="hold">
+                            <p:stCondLst>
+                              <p:cond delay="1000"/>
+                            </p:stCondLst>
+                            <p:childTnLst>
+                              <p:par>
+                                <p:cTn id="37" presetID="22" presetClass="entr" presetSubtype="1" fill="hold" nodeType="afterEffect">
                                   <p:stCondLst>
                                     <p:cond delay="0"/>
                                   </p:stCondLst>
                                   <p:childTnLst>
                                     <p:set>
                                       <p:cBhvr>
-                                        <p:cTn id="35" dur="1" fill="hold">
+                                        <p:cTn id="38" dur="1" fill="hold">
                                           <p:stCondLst>
                                             <p:cond delay="0"/>
                                           </p:stCondLst>
@@ -14284,7 +14539,7 @@
                                     </p:set>
                                     <p:animEffect transition="in" filter="wipe(up)">
                                       <p:cBhvr>
-                                        <p:cTn id="36" dur="1000"/>
+                                        <p:cTn id="39" dur="1000"/>
                                         <p:tgtEl>
                                           <p:spTgt spid="38"/>
                                         </p:tgtEl>
@@ -14297,20 +14552,20 @@
                           </p:cTn>
                         </p:par>
                         <p:par>
-                          <p:cTn id="37" fill="hold">
+                          <p:cTn id="40" fill="hold">
                             <p:stCondLst>
-                              <p:cond delay="1000"/>
+                              <p:cond delay="2000"/>
                             </p:stCondLst>
                             <p:childTnLst>
                               <p:par>
-                                <p:cTn id="38" presetID="22" presetClass="entr" presetSubtype="1" fill="hold" grpId="0" nodeType="afterEffect">
+                                <p:cTn id="41" presetID="22" presetClass="entr" presetSubtype="1" fill="hold" grpId="0" nodeType="afterEffect">
                                   <p:stCondLst>
                                     <p:cond delay="0"/>
                                   </p:stCondLst>
                                   <p:childTnLst>
                                     <p:set>
                                       <p:cBhvr>
-                                        <p:cTn id="39" dur="1" fill="hold">
+                                        <p:cTn id="42" dur="1" fill="hold">
                                           <p:stCondLst>
                                             <p:cond delay="0"/>
                                           </p:stCondLst>
@@ -14332,7 +14587,7 @@
                                     </p:set>
                                     <p:animEffect transition="in" filter="wipe(up)">
                                       <p:cBhvr>
-                                        <p:cTn id="40" dur="1000"/>
+                                        <p:cTn id="43" dur="500"/>
                                         <p:tgtEl>
                                           <p:spTgt spid="37">
                                             <p:txEl>
@@ -14349,20 +14604,20 @@
                           </p:cTn>
                         </p:par>
                         <p:par>
-                          <p:cTn id="41" fill="hold">
+                          <p:cTn id="44" fill="hold">
                             <p:stCondLst>
-                              <p:cond delay="2000"/>
+                              <p:cond delay="2500"/>
                             </p:stCondLst>
                             <p:childTnLst>
                               <p:par>
-                                <p:cTn id="42" presetID="22" presetClass="entr" presetSubtype="1" fill="hold" grpId="0" nodeType="afterEffect">
+                                <p:cTn id="45" presetID="22" presetClass="entr" presetSubtype="1" fill="hold" grpId="0" nodeType="afterEffect">
                                   <p:stCondLst>
                                     <p:cond delay="0"/>
                                   </p:stCondLst>
                                   <p:childTnLst>
                                     <p:set>
                                       <p:cBhvr>
-                                        <p:cTn id="43" dur="1" fill="hold">
+                                        <p:cTn id="46" dur="1" fill="hold">
                                           <p:stCondLst>
                                             <p:cond delay="0"/>
                                           </p:stCondLst>
@@ -14384,7 +14639,7 @@
                                     </p:set>
                                     <p:animEffect transition="in" filter="wipe(up)">
                                       <p:cBhvr>
-                                        <p:cTn id="44" dur="1000"/>
+                                        <p:cTn id="47" dur="500"/>
                                         <p:tgtEl>
                                           <p:spTgt spid="37">
                                             <p:txEl>
@@ -14401,20 +14656,20 @@
                           </p:cTn>
                         </p:par>
                         <p:par>
-                          <p:cTn id="45" fill="hold">
+                          <p:cTn id="48" fill="hold">
                             <p:stCondLst>
                               <p:cond delay="3000"/>
                             </p:stCondLst>
                             <p:childTnLst>
                               <p:par>
-                                <p:cTn id="46" presetID="22" presetClass="entr" presetSubtype="1" fill="hold" grpId="0" nodeType="afterEffect">
+                                <p:cTn id="49" presetID="22" presetClass="entr" presetSubtype="1" fill="hold" grpId="0" nodeType="afterEffect">
                                   <p:stCondLst>
                                     <p:cond delay="0"/>
                                   </p:stCondLst>
                                   <p:childTnLst>
                                     <p:set>
                                       <p:cBhvr>
-                                        <p:cTn id="47" dur="1" fill="hold">
+                                        <p:cTn id="50" dur="1" fill="hold">
                                           <p:stCondLst>
                                             <p:cond delay="0"/>
                                           </p:stCondLst>
@@ -14436,7 +14691,7 @@
                                     </p:set>
                                     <p:animEffect transition="in" filter="wipe(up)">
                                       <p:cBhvr>
-                                        <p:cTn id="48" dur="1000"/>
+                                        <p:cTn id="51" dur="500"/>
                                         <p:tgtEl>
                                           <p:spTgt spid="37">
                                             <p:txEl>
@@ -15574,8 +15829,12 @@
               <a:rPr lang="en-US" sz="2000" dirty="0"/>
             </a:br>
             <a:r>
-              <a:rPr lang="en-US" sz="2000" dirty="0"/>
-              <a:t>SQL injection is impossible because we never concatenate literal values</a:t>
+              <a:rPr lang="en-US" sz="2000" dirty="0">
+                <a:solidFill>
+                  <a:srgbClr val="FF0000"/>
+                </a:solidFill>
+              </a:rPr>
+              <a:t>SQL injection is impossible because we never concatenate literal values entered by an end-user</a:t>
             </a:r>
           </a:p>
         </p:txBody>
@@ -17306,6 +17565,18 @@
   <p:clrMapOvr>
     <a:masterClrMapping/>
   </p:clrMapOvr>
+  <mc:AlternateContent xmlns:mc="http://schemas.openxmlformats.org/markup-compatibility/2006">
+    <mc:Choice xmlns:p14="http://schemas.microsoft.com/office/powerpoint/2010/main" Requires="p14">
+      <p:transition spd="med" p14:dur="700">
+        <p:fade/>
+      </p:transition>
+    </mc:Choice>
+    <mc:Fallback>
+      <p:transition spd="med">
+        <p:fade/>
+      </p:transition>
+    </mc:Fallback>
+  </mc:AlternateContent>
 </p:sld>
 </file>
 
@@ -17383,6 +17654,18 @@
   <p:clrMapOvr>
     <a:masterClrMapping/>
   </p:clrMapOvr>
+  <mc:AlternateContent xmlns:mc="http://schemas.openxmlformats.org/markup-compatibility/2006">
+    <mc:Choice xmlns:p14="http://schemas.microsoft.com/office/powerpoint/2010/main" Requires="p14">
+      <p:transition spd="med" p14:dur="700">
+        <p:fade/>
+      </p:transition>
+    </mc:Choice>
+    <mc:Fallback>
+      <p:transition spd="med">
+        <p:fade/>
+      </p:transition>
+    </mc:Fallback>
+  </mc:AlternateContent>
 </p:sld>
 </file>
 
@@ -17443,6 +17726,18 @@
   <p:clrMapOvr>
     <a:masterClrMapping/>
   </p:clrMapOvr>
+  <mc:AlternateContent xmlns:mc="http://schemas.openxmlformats.org/markup-compatibility/2006">
+    <mc:Choice xmlns:p14="http://schemas.microsoft.com/office/powerpoint/2010/main" Requires="p14">
+      <p:transition spd="med" p14:dur="700">
+        <p:fade/>
+      </p:transition>
+    </mc:Choice>
+    <mc:Fallback>
+      <p:transition spd="med">
+        <p:fade/>
+      </p:transition>
+    </mc:Fallback>
+  </mc:AlternateContent>
 </p:sld>
 </file>
 
@@ -17721,6 +18016,18 @@
   <p:clrMapOvr>
     <a:masterClrMapping/>
   </p:clrMapOvr>
+  <mc:AlternateContent xmlns:mc="http://schemas.openxmlformats.org/markup-compatibility/2006">
+    <mc:Choice xmlns:p14="http://schemas.microsoft.com/office/powerpoint/2010/main" Requires="p14">
+      <p:transition spd="med" p14:dur="700">
+        <p:fade/>
+      </p:transition>
+    </mc:Choice>
+    <mc:Fallback>
+      <p:transition spd="med">
+        <p:fade/>
+      </p:transition>
+    </mc:Fallback>
+  </mc:AlternateContent>
   <p:timing>
     <p:tnLst>
       <p:par>
@@ -18193,6 +18500,18 @@
   <p:clrMapOvr>
     <a:masterClrMapping/>
   </p:clrMapOvr>
+  <mc:AlternateContent xmlns:mc="http://schemas.openxmlformats.org/markup-compatibility/2006">
+    <mc:Choice xmlns:p14="http://schemas.microsoft.com/office/powerpoint/2010/main" Requires="p14">
+      <p:transition spd="med" p14:dur="700">
+        <p:fade/>
+      </p:transition>
+    </mc:Choice>
+    <mc:Fallback>
+      <p:transition spd="med">
+        <p:fade/>
+      </p:transition>
+    </mc:Fallback>
+  </mc:AlternateContent>
 </p:sld>
 </file>
 
